--- a/python/doc/Relación de herencia Simple.pptx
+++ b/python/doc/Relación de herencia Simple.pptx
@@ -6,6 +6,7 @@
   </p:sldMasterIdLst>
   <p:sldIdLst>
     <p:sldId id="257" r:id="rId2"/>
+    <p:sldId id="258" r:id="rId3"/>
   </p:sldIdLst>
   <p:sldSz cx="12192000" cy="6858000"/>
   <p:notesSz cx="6858000" cy="9144000"/>
@@ -104,7 +105,97 @@
       </a:defRPr>
     </a:lvl9pPr>
   </p:defaultTextStyle>
+  <p:extLst>
+    <p:ext uri="{EFAFB233-063F-42B5-8137-9DF3F51BA10A}">
+      <p15:sldGuideLst xmlns:p15="http://schemas.microsoft.com/office/powerpoint/2012/main"/>
+    </p:ext>
+  </p:extLst>
 </p:presentation>
+</file>
+
+<file path=ppt/revisionInfo.xml><?xml version="1.0" encoding="utf-8"?>
+<p1510:revInfo xmlns:a="http://schemas.openxmlformats.org/drawingml/2006/main" xmlns:r="http://schemas.openxmlformats.org/officeDocument/2006/relationships" xmlns:p1510="http://schemas.microsoft.com/office/powerpoint/2015/10/main">
+  <p1510:revLst>
+    <p1510:client id="{8695AA9A-27BD-403D-BB09-96BE004E631D}" v="4" dt="2024-02-15T17:38:14.389"/>
+  </p1510:revLst>
+</p1510:revInfo>
+</file>
+
+<file path=ppt/changesInfos/changesInfo1.xml><?xml version="1.0" encoding="utf-8"?>
+<pc:chgInfo xmlns:a="http://schemas.openxmlformats.org/drawingml/2006/main" xmlns:r="http://schemas.openxmlformats.org/officeDocument/2006/relationships" xmlns:ac="http://schemas.microsoft.com/office/drawing/2013/main/command" xmlns:pc="http://schemas.microsoft.com/office/powerpoint/2013/main/command">
+  <pc:docChgLst>
+    <pc:chgData name="Antonio Espín Herranz" userId="6289c937e7e0e52b" providerId="LiveId" clId="{8695AA9A-27BD-403D-BB09-96BE004E631D}"/>
+    <pc:docChg chg="custSel addSld modSld">
+      <pc:chgData name="Antonio Espín Herranz" userId="6289c937e7e0e52b" providerId="LiveId" clId="{8695AA9A-27BD-403D-BB09-96BE004E631D}" dt="2024-02-15T17:38:20.051" v="49" actId="1076"/>
+      <pc:docMkLst>
+        <pc:docMk/>
+      </pc:docMkLst>
+      <pc:sldChg chg="addSp delSp modSp new mod">
+        <pc:chgData name="Antonio Espín Herranz" userId="6289c937e7e0e52b" providerId="LiveId" clId="{8695AA9A-27BD-403D-BB09-96BE004E631D}" dt="2024-02-15T17:38:20.051" v="49" actId="1076"/>
+        <pc:sldMkLst>
+          <pc:docMk/>
+          <pc:sldMk cId="76331305" sldId="258"/>
+        </pc:sldMkLst>
+        <pc:spChg chg="mod">
+          <ac:chgData name="Antonio Espín Herranz" userId="6289c937e7e0e52b" providerId="LiveId" clId="{8695AA9A-27BD-403D-BB09-96BE004E631D}" dt="2024-02-15T17:37:29.907" v="18" actId="20577"/>
+          <ac:spMkLst>
+            <pc:docMk/>
+            <pc:sldMk cId="76331305" sldId="258"/>
+            <ac:spMk id="2" creationId="{FFC922B7-751C-B54B-0209-FBA18E0307BD}"/>
+          </ac:spMkLst>
+        </pc:spChg>
+        <pc:spChg chg="del">
+          <ac:chgData name="Antonio Espín Herranz" userId="6289c937e7e0e52b" providerId="LiveId" clId="{8695AA9A-27BD-403D-BB09-96BE004E631D}" dt="2024-02-15T17:37:32.371" v="19" actId="478"/>
+          <ac:spMkLst>
+            <pc:docMk/>
+            <pc:sldMk cId="76331305" sldId="258"/>
+            <ac:spMk id="3" creationId="{37F3E096-2E6E-65AC-A665-3D056D25BA4B}"/>
+          </ac:spMkLst>
+        </pc:spChg>
+        <pc:spChg chg="add mod">
+          <ac:chgData name="Antonio Espín Herranz" userId="6289c937e7e0e52b" providerId="LiveId" clId="{8695AA9A-27BD-403D-BB09-96BE004E631D}" dt="2024-02-15T17:37:42.224" v="30" actId="1076"/>
+          <ac:spMkLst>
+            <pc:docMk/>
+            <pc:sldMk cId="76331305" sldId="258"/>
+            <ac:spMk id="4" creationId="{C1DDC444-64E0-1848-324D-38FC30DFBA52}"/>
+          </ac:spMkLst>
+        </pc:spChg>
+        <pc:spChg chg="add mod">
+          <ac:chgData name="Antonio Espín Herranz" userId="6289c937e7e0e52b" providerId="LiveId" clId="{8695AA9A-27BD-403D-BB09-96BE004E631D}" dt="2024-02-15T17:37:53.435" v="42" actId="6549"/>
+          <ac:spMkLst>
+            <pc:docMk/>
+            <pc:sldMk cId="76331305" sldId="258"/>
+            <ac:spMk id="5" creationId="{37EFDB2D-FF5B-FBF9-4F25-693957F8087A}"/>
+          </ac:spMkLst>
+        </pc:spChg>
+        <pc:spChg chg="add mod">
+          <ac:chgData name="Antonio Espín Herranz" userId="6289c937e7e0e52b" providerId="LiveId" clId="{8695AA9A-27BD-403D-BB09-96BE004E631D}" dt="2024-02-15T17:37:49.183" v="37" actId="6549"/>
+          <ac:spMkLst>
+            <pc:docMk/>
+            <pc:sldMk cId="76331305" sldId="258"/>
+            <ac:spMk id="6" creationId="{38871E14-3AB6-1715-773B-6BF9ACD40911}"/>
+          </ac:spMkLst>
+        </pc:spChg>
+        <pc:spChg chg="add mod">
+          <ac:chgData name="Antonio Espín Herranz" userId="6289c937e7e0e52b" providerId="LiveId" clId="{8695AA9A-27BD-403D-BB09-96BE004E631D}" dt="2024-02-15T17:38:10.648" v="45" actId="14100"/>
+          <ac:spMkLst>
+            <pc:docMk/>
+            <pc:sldMk cId="76331305" sldId="258"/>
+            <ac:spMk id="7" creationId="{0FD09476-50ED-9FB2-C807-F95611696ED5}"/>
+          </ac:spMkLst>
+        </pc:spChg>
+        <pc:spChg chg="add mod">
+          <ac:chgData name="Antonio Espín Herranz" userId="6289c937e7e0e52b" providerId="LiveId" clId="{8695AA9A-27BD-403D-BB09-96BE004E631D}" dt="2024-02-15T17:38:20.051" v="49" actId="1076"/>
+          <ac:spMkLst>
+            <pc:docMk/>
+            <pc:sldMk cId="76331305" sldId="258"/>
+            <ac:spMk id="8" creationId="{2F749910-E1BF-6D2A-6945-E897359449EF}"/>
+          </ac:spMkLst>
+        </pc:spChg>
+      </pc:sldChg>
+    </pc:docChg>
+  </pc:docChgLst>
+</pc:chgInfo>
 </file>
 
 <file path=ppt/slideLayouts/slideLayout1.xml><?xml version="1.0" encoding="utf-8"?>
@@ -254,7 +345,7 @@
           <a:p>
             <a:fld id="{FAB3AEAE-3797-404F-81AD-B2F9097777B7}" type="datetimeFigureOut">
               <a:rPr lang="es-ES" smtClean="0"/>
-              <a:t>14/02/2024</a:t>
+              <a:t>15/02/2024</a:t>
             </a:fld>
             <a:endParaRPr lang="es-ES"/>
           </a:p>
@@ -452,7 +543,7 @@
           <a:p>
             <a:fld id="{FAB3AEAE-3797-404F-81AD-B2F9097777B7}" type="datetimeFigureOut">
               <a:rPr lang="es-ES" smtClean="0"/>
-              <a:t>14/02/2024</a:t>
+              <a:t>15/02/2024</a:t>
             </a:fld>
             <a:endParaRPr lang="es-ES"/>
           </a:p>
@@ -660,7 +751,7 @@
           <a:p>
             <a:fld id="{FAB3AEAE-3797-404F-81AD-B2F9097777B7}" type="datetimeFigureOut">
               <a:rPr lang="es-ES" smtClean="0"/>
-              <a:t>14/02/2024</a:t>
+              <a:t>15/02/2024</a:t>
             </a:fld>
             <a:endParaRPr lang="es-ES"/>
           </a:p>
@@ -858,7 +949,7 @@
           <a:p>
             <a:fld id="{FAB3AEAE-3797-404F-81AD-B2F9097777B7}" type="datetimeFigureOut">
               <a:rPr lang="es-ES" smtClean="0"/>
-              <a:t>14/02/2024</a:t>
+              <a:t>15/02/2024</a:t>
             </a:fld>
             <a:endParaRPr lang="es-ES"/>
           </a:p>
@@ -1133,7 +1224,7 @@
           <a:p>
             <a:fld id="{FAB3AEAE-3797-404F-81AD-B2F9097777B7}" type="datetimeFigureOut">
               <a:rPr lang="es-ES" smtClean="0"/>
-              <a:t>14/02/2024</a:t>
+              <a:t>15/02/2024</a:t>
             </a:fld>
             <a:endParaRPr lang="es-ES"/>
           </a:p>
@@ -1398,7 +1489,7 @@
           <a:p>
             <a:fld id="{FAB3AEAE-3797-404F-81AD-B2F9097777B7}" type="datetimeFigureOut">
               <a:rPr lang="es-ES" smtClean="0"/>
-              <a:t>14/02/2024</a:t>
+              <a:t>15/02/2024</a:t>
             </a:fld>
             <a:endParaRPr lang="es-ES"/>
           </a:p>
@@ -1810,7 +1901,7 @@
           <a:p>
             <a:fld id="{FAB3AEAE-3797-404F-81AD-B2F9097777B7}" type="datetimeFigureOut">
               <a:rPr lang="es-ES" smtClean="0"/>
-              <a:t>14/02/2024</a:t>
+              <a:t>15/02/2024</a:t>
             </a:fld>
             <a:endParaRPr lang="es-ES"/>
           </a:p>
@@ -1951,7 +2042,7 @@
           <a:p>
             <a:fld id="{FAB3AEAE-3797-404F-81AD-B2F9097777B7}" type="datetimeFigureOut">
               <a:rPr lang="es-ES" smtClean="0"/>
-              <a:t>14/02/2024</a:t>
+              <a:t>15/02/2024</a:t>
             </a:fld>
             <a:endParaRPr lang="es-ES"/>
           </a:p>
@@ -2064,7 +2155,7 @@
           <a:p>
             <a:fld id="{FAB3AEAE-3797-404F-81AD-B2F9097777B7}" type="datetimeFigureOut">
               <a:rPr lang="es-ES" smtClean="0"/>
-              <a:t>14/02/2024</a:t>
+              <a:t>15/02/2024</a:t>
             </a:fld>
             <a:endParaRPr lang="es-ES"/>
           </a:p>
@@ -2375,7 +2466,7 @@
           <a:p>
             <a:fld id="{FAB3AEAE-3797-404F-81AD-B2F9097777B7}" type="datetimeFigureOut">
               <a:rPr lang="es-ES" smtClean="0"/>
-              <a:t>14/02/2024</a:t>
+              <a:t>15/02/2024</a:t>
             </a:fld>
             <a:endParaRPr lang="es-ES"/>
           </a:p>
@@ -2663,7 +2754,7 @@
           <a:p>
             <a:fld id="{FAB3AEAE-3797-404F-81AD-B2F9097777B7}" type="datetimeFigureOut">
               <a:rPr lang="es-ES" smtClean="0"/>
-              <a:t>14/02/2024</a:t>
+              <a:t>15/02/2024</a:t>
             </a:fld>
             <a:endParaRPr lang="es-ES"/>
           </a:p>
@@ -2904,7 +2995,7 @@
           <a:p>
             <a:fld id="{FAB3AEAE-3797-404F-81AD-B2F9097777B7}" type="datetimeFigureOut">
               <a:rPr lang="es-ES" smtClean="0"/>
-              <a:t>14/02/2024</a:t>
+              <a:t>15/02/2024</a:t>
             </a:fld>
             <a:endParaRPr lang="es-ES"/>
           </a:p>
@@ -4087,6 +4178,309 @@
 </p:sld>
 </file>
 
+<file path=ppt/slides/slide2.xml><?xml version="1.0" encoding="utf-8"?>
+<p:sld xmlns:a="http://schemas.openxmlformats.org/drawingml/2006/main" xmlns:r="http://schemas.openxmlformats.org/officeDocument/2006/relationships" xmlns:p="http://schemas.openxmlformats.org/presentationml/2006/main">
+  <p:cSld>
+    <p:spTree>
+      <p:nvGrpSpPr>
+        <p:cNvPr id="1" name=""/>
+        <p:cNvGrpSpPr/>
+        <p:nvPr/>
+      </p:nvGrpSpPr>
+      <p:grpSpPr>
+        <a:xfrm>
+          <a:off x="0" y="0"/>
+          <a:ext cx="0" cy="0"/>
+          <a:chOff x="0" y="0"/>
+          <a:chExt cx="0" cy="0"/>
+        </a:xfrm>
+      </p:grpSpPr>
+      <p:sp>
+        <p:nvSpPr>
+          <p:cNvPr id="2" name="Título 1">
+            <a:extLst>
+              <a:ext uri="{FF2B5EF4-FFF2-40B4-BE49-F238E27FC236}">
+                <a16:creationId xmlns:a16="http://schemas.microsoft.com/office/drawing/2014/main" id="{FFC922B7-751C-B54B-0209-FBA18E0307BD}"/>
+              </a:ext>
+            </a:extLst>
+          </p:cNvPr>
+          <p:cNvSpPr>
+            <a:spLocks noGrp="1"/>
+          </p:cNvSpPr>
+          <p:nvPr>
+            <p:ph type="title"/>
+          </p:nvPr>
+        </p:nvSpPr>
+        <p:spPr>
+          <a:xfrm>
+            <a:off x="5815262" y="365125"/>
+            <a:ext cx="5538537" cy="1325563"/>
+          </a:xfrm>
+        </p:spPr>
+        <p:txBody>
+          <a:bodyPr/>
+          <a:lstStyle/>
+          <a:p>
+            <a:r>
+              <a:rPr lang="es-ES" dirty="0"/>
+              <a:t>Herencia Múltiple</a:t>
+            </a:r>
+          </a:p>
+        </p:txBody>
+      </p:sp>
+      <p:sp>
+        <p:nvSpPr>
+          <p:cNvPr id="4" name="Rectángulo 3">
+            <a:extLst>
+              <a:ext uri="{FF2B5EF4-FFF2-40B4-BE49-F238E27FC236}">
+                <a16:creationId xmlns:a16="http://schemas.microsoft.com/office/drawing/2014/main" id="{C1DDC444-64E0-1848-324D-38FC30DFBA52}"/>
+              </a:ext>
+            </a:extLst>
+          </p:cNvPr>
+          <p:cNvSpPr/>
+          <p:nvPr/>
+        </p:nvSpPr>
+        <p:spPr>
+          <a:xfrm>
+            <a:off x="4339389" y="4632160"/>
+            <a:ext cx="2013284" cy="954505"/>
+          </a:xfrm>
+          <a:prstGeom prst="rect">
+            <a:avLst/>
+          </a:prstGeom>
+        </p:spPr>
+        <p:style>
+          <a:lnRef idx="2">
+            <a:schemeClr val="accent1">
+              <a:shade val="15000"/>
+            </a:schemeClr>
+          </a:lnRef>
+          <a:fillRef idx="1">
+            <a:schemeClr val="accent1"/>
+          </a:fillRef>
+          <a:effectRef idx="0">
+            <a:schemeClr val="accent1"/>
+          </a:effectRef>
+          <a:fontRef idx="minor">
+            <a:schemeClr val="lt1"/>
+          </a:fontRef>
+        </p:style>
+        <p:txBody>
+          <a:bodyPr rtlCol="0" anchor="ctr"/>
+          <a:lstStyle/>
+          <a:p>
+            <a:pPr algn="ctr"/>
+            <a:r>
+              <a:rPr lang="es-ES" dirty="0" err="1"/>
+              <a:t>DateTime</a:t>
+            </a:r>
+            <a:endParaRPr lang="es-ES" dirty="0"/>
+          </a:p>
+        </p:txBody>
+      </p:sp>
+      <p:sp>
+        <p:nvSpPr>
+          <p:cNvPr id="5" name="Rectángulo 4">
+            <a:extLst>
+              <a:ext uri="{FF2B5EF4-FFF2-40B4-BE49-F238E27FC236}">
+                <a16:creationId xmlns:a16="http://schemas.microsoft.com/office/drawing/2014/main" id="{37EFDB2D-FF5B-FBF9-4F25-693957F8087A}"/>
+              </a:ext>
+            </a:extLst>
+          </p:cNvPr>
+          <p:cNvSpPr/>
+          <p:nvPr/>
+        </p:nvSpPr>
+        <p:spPr>
+          <a:xfrm>
+            <a:off x="6571246" y="2731170"/>
+            <a:ext cx="2013284" cy="954505"/>
+          </a:xfrm>
+          <a:prstGeom prst="rect">
+            <a:avLst/>
+          </a:prstGeom>
+        </p:spPr>
+        <p:style>
+          <a:lnRef idx="2">
+            <a:schemeClr val="accent1">
+              <a:shade val="15000"/>
+            </a:schemeClr>
+          </a:lnRef>
+          <a:fillRef idx="1">
+            <a:schemeClr val="accent1"/>
+          </a:fillRef>
+          <a:effectRef idx="0">
+            <a:schemeClr val="accent1"/>
+          </a:effectRef>
+          <a:fontRef idx="minor">
+            <a:schemeClr val="lt1"/>
+          </a:fontRef>
+        </p:style>
+        <p:txBody>
+          <a:bodyPr rtlCol="0" anchor="ctr"/>
+          <a:lstStyle/>
+          <a:p>
+            <a:pPr algn="ctr"/>
+            <a:r>
+              <a:rPr lang="es-ES" dirty="0"/>
+              <a:t>Time</a:t>
+            </a:r>
+          </a:p>
+        </p:txBody>
+      </p:sp>
+      <p:sp>
+        <p:nvSpPr>
+          <p:cNvPr id="6" name="Rectángulo 5">
+            <a:extLst>
+              <a:ext uri="{FF2B5EF4-FFF2-40B4-BE49-F238E27FC236}">
+                <a16:creationId xmlns:a16="http://schemas.microsoft.com/office/drawing/2014/main" id="{38871E14-3AB6-1715-773B-6BF9ACD40911}"/>
+              </a:ext>
+            </a:extLst>
+          </p:cNvPr>
+          <p:cNvSpPr/>
+          <p:nvPr/>
+        </p:nvSpPr>
+        <p:spPr>
+          <a:xfrm>
+            <a:off x="2237873" y="2731171"/>
+            <a:ext cx="2013284" cy="954505"/>
+          </a:xfrm>
+          <a:prstGeom prst="rect">
+            <a:avLst/>
+          </a:prstGeom>
+        </p:spPr>
+        <p:style>
+          <a:lnRef idx="2">
+            <a:schemeClr val="accent1">
+              <a:shade val="15000"/>
+            </a:schemeClr>
+          </a:lnRef>
+          <a:fillRef idx="1">
+            <a:schemeClr val="accent1"/>
+          </a:fillRef>
+          <a:effectRef idx="0">
+            <a:schemeClr val="accent1"/>
+          </a:effectRef>
+          <a:fontRef idx="minor">
+            <a:schemeClr val="lt1"/>
+          </a:fontRef>
+        </p:style>
+        <p:txBody>
+          <a:bodyPr rtlCol="0" anchor="ctr"/>
+          <a:lstStyle/>
+          <a:p>
+            <a:pPr algn="ctr"/>
+            <a:r>
+              <a:rPr lang="es-ES" dirty="0"/>
+              <a:t>Date</a:t>
+            </a:r>
+          </a:p>
+        </p:txBody>
+      </p:sp>
+      <p:sp>
+        <p:nvSpPr>
+          <p:cNvPr id="7" name="Flecha: hacia arriba 6">
+            <a:extLst>
+              <a:ext uri="{FF2B5EF4-FFF2-40B4-BE49-F238E27FC236}">
+                <a16:creationId xmlns:a16="http://schemas.microsoft.com/office/drawing/2014/main" id="{0FD09476-50ED-9FB2-C807-F95611696ED5}"/>
+              </a:ext>
+            </a:extLst>
+          </p:cNvPr>
+          <p:cNvSpPr/>
+          <p:nvPr/>
+        </p:nvSpPr>
+        <p:spPr>
+          <a:xfrm rot="18582472">
+            <a:off x="3943703" y="3475868"/>
+            <a:ext cx="224590" cy="1300615"/>
+          </a:xfrm>
+          <a:prstGeom prst="upArrow">
+            <a:avLst/>
+          </a:prstGeom>
+        </p:spPr>
+        <p:style>
+          <a:lnRef idx="2">
+            <a:schemeClr val="accent1">
+              <a:shade val="15000"/>
+            </a:schemeClr>
+          </a:lnRef>
+          <a:fillRef idx="1">
+            <a:schemeClr val="accent1"/>
+          </a:fillRef>
+          <a:effectRef idx="0">
+            <a:schemeClr val="accent1"/>
+          </a:effectRef>
+          <a:fontRef idx="minor">
+            <a:schemeClr val="lt1"/>
+          </a:fontRef>
+        </p:style>
+        <p:txBody>
+          <a:bodyPr rtlCol="0" anchor="ctr"/>
+          <a:lstStyle/>
+          <a:p>
+            <a:pPr algn="ctr"/>
+            <a:endParaRPr lang="es-ES"/>
+          </a:p>
+        </p:txBody>
+      </p:sp>
+      <p:sp>
+        <p:nvSpPr>
+          <p:cNvPr id="8" name="Flecha: hacia arriba 7">
+            <a:extLst>
+              <a:ext uri="{FF2B5EF4-FFF2-40B4-BE49-F238E27FC236}">
+                <a16:creationId xmlns:a16="http://schemas.microsoft.com/office/drawing/2014/main" id="{2F749910-E1BF-6D2A-6945-E897359449EF}"/>
+              </a:ext>
+            </a:extLst>
+          </p:cNvPr>
+          <p:cNvSpPr/>
+          <p:nvPr/>
+        </p:nvSpPr>
+        <p:spPr>
+          <a:xfrm rot="3259605">
+            <a:off x="6735030" y="3507263"/>
+            <a:ext cx="224590" cy="1300615"/>
+          </a:xfrm>
+          <a:prstGeom prst="upArrow">
+            <a:avLst/>
+          </a:prstGeom>
+        </p:spPr>
+        <p:style>
+          <a:lnRef idx="2">
+            <a:schemeClr val="accent1">
+              <a:shade val="15000"/>
+            </a:schemeClr>
+          </a:lnRef>
+          <a:fillRef idx="1">
+            <a:schemeClr val="accent1"/>
+          </a:fillRef>
+          <a:effectRef idx="0">
+            <a:schemeClr val="accent1"/>
+          </a:effectRef>
+          <a:fontRef idx="minor">
+            <a:schemeClr val="lt1"/>
+          </a:fontRef>
+        </p:style>
+        <p:txBody>
+          <a:bodyPr rtlCol="0" anchor="ctr"/>
+          <a:lstStyle/>
+          <a:p>
+            <a:pPr algn="ctr"/>
+            <a:endParaRPr lang="es-ES"/>
+          </a:p>
+        </p:txBody>
+      </p:sp>
+    </p:spTree>
+    <p:extLst>
+      <p:ext uri="{BB962C8B-B14F-4D97-AF65-F5344CB8AC3E}">
+        <p14:creationId xmlns:p14="http://schemas.microsoft.com/office/powerpoint/2010/main" val="76331305"/>
+      </p:ext>
+    </p:extLst>
+  </p:cSld>
+  <p:clrMapOvr>
+    <a:masterClrMapping/>
+  </p:clrMapOvr>
+</p:sld>
+</file>
+
 <file path=ppt/theme/theme1.xml><?xml version="1.0" encoding="utf-8"?>
 <a:theme xmlns:a="http://schemas.openxmlformats.org/drawingml/2006/main" name="Tema de Office">
   <a:themeElements>
